--- a/docs/presentations/dcaf-core-presentation.pptx
+++ b/docs/presentations/dcaf-core-presentation.pptx
@@ -46,6 +46,14 @@
     <p:sldId id="294" r:id="rId45"/>
     <p:sldId id="295" r:id="rId46"/>
     <p:sldId id="296" r:id="rId47"/>
+    <p:sldId id="297" r:id="rId48"/>
+    <p:sldId id="298" r:id="rId49"/>
+    <p:sldId id="299" r:id="rId50"/>
+    <p:sldId id="300" r:id="rId51"/>
+    <p:sldId id="301" r:id="rId52"/>
+    <p:sldId id="302" r:id="rId53"/>
+    <p:sldId id="303" r:id="rId54"/>
+    <p:sldId id="304" r:id="rId55"/>
   </p:sldIdLst>
   <p:sldSz cx="12191695" cy="6858000" type="screen4x3"/>
   <p:notesSz cx="6858000" cy="9144000"/>
@@ -8962,7 +8970,7 @@
               </a:defRPr>
             </a:pPr>
             <a:r>
-              <a:t>Advanced Topics</a:t>
+              <a:t>Prompt Caching</a:t>
             </a:r>
           </a:p>
           <a:p>
@@ -8974,7 +8982,7 @@
               </a:defRPr>
             </a:pPr>
             <a:r>
-              <a:t>Platform context and more</a:t>
+              <a:t>Reduce costs by up to 90%</a:t>
             </a:r>
           </a:p>
         </p:txBody>
@@ -9027,7 +9035,7 @@
               </a:defRPr>
             </a:pPr>
             <a:r>
-              <a:t>Platform Context</a:t>
+              <a:t>What is Prompt Caching?</a:t>
             </a:r>
           </a:p>
         </p:txBody>
@@ -9068,181 +9076,178 @@
               </a:defRPr>
             </a:pPr>
             <a:r>
-              <a:t>Automatic context extraction from requests:</a:t>
-            </a:r>
-          </a:p>
-          <a:p>
-            <a:pPr>
-              <a:spcBef>
-                <a:spcPts val="800"/>
-              </a:spcBef>
-              <a:spcAft>
-                <a:spcPts val="400"/>
-              </a:spcAft>
-              <a:defRPr sz="2000">
-                <a:solidFill>
-                  <a:srgbClr val="000000"/>
-                </a:solidFill>
-              </a:defRPr>
-            </a:pPr>
-          </a:p>
-          <a:p>
-            <a:pPr>
-              <a:spcBef>
-                <a:spcPts val="800"/>
-              </a:spcBef>
-              <a:spcAft>
-                <a:spcPts val="400"/>
-              </a:spcAft>
-              <a:defRPr sz="2000">
-                <a:solidFill>
-                  <a:srgbClr val="000000"/>
-                </a:solidFill>
-              </a:defRPr>
-            </a:pPr>
-            <a:r>
-              <a:t>Available fields:</a:t>
-            </a:r>
-          </a:p>
-          <a:p>
-            <a:pPr>
-              <a:spcBef>
-                <a:spcPts val="800"/>
-              </a:spcBef>
-              <a:spcAft>
-                <a:spcPts val="400"/>
-              </a:spcAft>
-              <a:defRPr sz="2000">
-                <a:solidFill>
-                  <a:srgbClr val="000000"/>
-                </a:solidFill>
-              </a:defRPr>
-            </a:pPr>
-            <a:r>
-              <a:t>• tenant_name - DuploCloud tenant</a:t>
-            </a:r>
-          </a:p>
-          <a:p>
-            <a:pPr>
-              <a:spcBef>
-                <a:spcPts val="800"/>
-              </a:spcBef>
-              <a:spcAft>
-                <a:spcPts val="400"/>
-              </a:spcAft>
-              <a:defRPr sz="2000">
-                <a:solidFill>
-                  <a:srgbClr val="000000"/>
-                </a:solidFill>
-              </a:defRPr>
-            </a:pPr>
-            <a:r>
-              <a:t>• k8s_namespace - Kubernetes namespace</a:t>
-            </a:r>
-          </a:p>
-          <a:p>
-            <a:pPr>
-              <a:spcBef>
-                <a:spcPts val="800"/>
-              </a:spcBef>
-              <a:spcAft>
-                <a:spcPts val="400"/>
-              </a:spcAft>
-              <a:defRPr sz="2000">
-                <a:solidFill>
-                  <a:srgbClr val="000000"/>
-                </a:solidFill>
-              </a:defRPr>
-            </a:pPr>
-            <a:r>
-              <a:t>• user_id - Requesting user</a:t>
-            </a:r>
-          </a:p>
-          <a:p>
-            <a:pPr>
-              <a:spcBef>
-                <a:spcPts val="800"/>
-              </a:spcBef>
-              <a:spcAft>
-                <a:spcPts val="400"/>
-              </a:spcAft>
-              <a:defRPr sz="2000">
-                <a:solidFill>
-                  <a:srgbClr val="000000"/>
-                </a:solidFill>
-              </a:defRPr>
-            </a:pPr>
-            <a:r>
-              <a:t>• duplo_token - Authentication token</a:t>
-            </a:r>
-          </a:p>
-          <a:p>
-            <a:pPr>
-              <a:spcBef>
-                <a:spcPts val="800"/>
-              </a:spcBef>
-              <a:spcAft>
-                <a:spcPts val="400"/>
-              </a:spcAft>
-              <a:defRPr sz="2000">
-                <a:solidFill>
-                  <a:srgbClr val="000000"/>
-                </a:solidFill>
-              </a:defRPr>
-            </a:pPr>
-            <a:r>
-              <a:t>• kubeconfig - Base64-encoded kubeconfig</a:t>
-            </a:r>
-          </a:p>
-          <a:p>
-            <a:pPr>
-              <a:spcBef>
-                <a:spcPts val="800"/>
-              </a:spcBef>
-              <a:spcAft>
-                <a:spcPts val="400"/>
-              </a:spcAft>
-              <a:defRPr sz="2000">
-                <a:solidFill>
-                  <a:srgbClr val="000000"/>
-                </a:solidFill>
-              </a:defRPr>
-            </a:pPr>
-            <a:r>
-              <a:t>• aws_credentials - AWS credential info</a:t>
-            </a:r>
-          </a:p>
-          <a:p>
-            <a:pPr>
-              <a:spcBef>
-                <a:spcPts val="800"/>
-              </a:spcBef>
-              <a:spcAft>
-                <a:spcPts val="400"/>
-              </a:spcAft>
-              <a:defRPr sz="2000">
-                <a:solidFill>
-                  <a:srgbClr val="000000"/>
-                </a:solidFill>
-              </a:defRPr>
-            </a:pPr>
-          </a:p>
-          <a:p>
-            <a:pPr>
-              <a:spcBef>
-                <a:spcPts val="800"/>
-              </a:spcBef>
-              <a:spcAft>
-                <a:spcPts val="400"/>
-              </a:spcAft>
-              <a:defRPr sz="2000">
-                <a:solidFill>
-                  <a:srgbClr val="000000"/>
-                </a:solidFill>
-              </a:defRPr>
-            </a:pPr>
-            <a:r>
-              <a:t>Access in tools via platform_context parameter.</a:t>
+              <a:t>AWS Bedrock feature that caches static prompt content:</a:t>
+            </a:r>
+          </a:p>
+          <a:p>
+            <a:pPr>
+              <a:spcBef>
+                <a:spcPts val="800"/>
+              </a:spcBef>
+              <a:spcAft>
+                <a:spcPts val="400"/>
+              </a:spcAft>
+              <a:defRPr sz="2000">
+                <a:solidFill>
+                  <a:srgbClr val="000000"/>
+                </a:solidFill>
+              </a:defRPr>
+            </a:pPr>
+          </a:p>
+          <a:p>
+            <a:pPr>
+              <a:spcBef>
+                <a:spcPts val="800"/>
+              </a:spcBef>
+              <a:spcAft>
+                <a:spcPts val="400"/>
+              </a:spcAft>
+              <a:defRPr sz="2000">
+                <a:solidFill>
+                  <a:srgbClr val="000000"/>
+                </a:solidFill>
+              </a:defRPr>
+            </a:pPr>
+            <a:r>
+              <a:t>Benefits:</a:t>
+            </a:r>
+          </a:p>
+          <a:p>
+            <a:pPr>
+              <a:spcBef>
+                <a:spcPts val="800"/>
+              </a:spcBef>
+              <a:spcAft>
+                <a:spcPts val="400"/>
+              </a:spcAft>
+              <a:defRPr sz="2000">
+                <a:solidFill>
+                  <a:srgbClr val="000000"/>
+                </a:solidFill>
+              </a:defRPr>
+            </a:pPr>
+            <a:r>
+              <a:t>• Up to 90% cost reduction on cached tokens</a:t>
+            </a:r>
+          </a:p>
+          <a:p>
+            <a:pPr>
+              <a:spcBef>
+                <a:spcPts val="800"/>
+              </a:spcBef>
+              <a:spcAft>
+                <a:spcPts val="400"/>
+              </a:spcAft>
+              <a:defRPr sz="2000">
+                <a:solidFill>
+                  <a:srgbClr val="000000"/>
+                </a:solidFill>
+              </a:defRPr>
+            </a:pPr>
+            <a:r>
+              <a:t>• Up to 85% latency reduction</a:t>
+            </a:r>
+          </a:p>
+          <a:p>
+            <a:pPr>
+              <a:spcBef>
+                <a:spcPts val="800"/>
+              </a:spcBef>
+              <a:spcAft>
+                <a:spcPts val="400"/>
+              </a:spcAft>
+              <a:defRPr sz="2000">
+                <a:solidFill>
+                  <a:srgbClr val="000000"/>
+                </a:solidFill>
+              </a:defRPr>
+            </a:pPr>
+            <a:r>
+              <a:t>• 5-minute cache TTL (resets on each cache hit)</a:t>
+            </a:r>
+          </a:p>
+          <a:p>
+            <a:pPr>
+              <a:spcBef>
+                <a:spcPts val="800"/>
+              </a:spcBef>
+              <a:spcAft>
+                <a:spcPts val="400"/>
+              </a:spcAft>
+              <a:defRPr sz="2000">
+                <a:solidFill>
+                  <a:srgbClr val="000000"/>
+                </a:solidFill>
+              </a:defRPr>
+            </a:pPr>
+          </a:p>
+          <a:p>
+            <a:pPr>
+              <a:spcBef>
+                <a:spcPts val="800"/>
+              </a:spcBef>
+              <a:spcAft>
+                <a:spcPts val="400"/>
+              </a:spcAft>
+              <a:defRPr sz="2000">
+                <a:solidFill>
+                  <a:srgbClr val="000000"/>
+                </a:solidFill>
+              </a:defRPr>
+            </a:pPr>
+            <a:r>
+              <a:t>Key Insight:</a:t>
+            </a:r>
+          </a:p>
+          <a:p>
+            <a:pPr>
+              <a:spcBef>
+                <a:spcPts val="800"/>
+              </a:spcBef>
+              <a:spcAft>
+                <a:spcPts val="400"/>
+              </a:spcAft>
+              <a:defRPr sz="2000">
+                <a:solidFill>
+                  <a:srgbClr val="000000"/>
+                </a:solidFill>
+              </a:defRPr>
+            </a:pPr>
+            <a:r>
+              <a:t>Separate static instructions (cached) from dynamic context (fresh)</a:t>
+            </a:r>
+          </a:p>
+          <a:p>
+            <a:pPr>
+              <a:spcBef>
+                <a:spcPts val="800"/>
+              </a:spcBef>
+              <a:spcAft>
+                <a:spcPts val="400"/>
+              </a:spcAft>
+              <a:defRPr sz="2000">
+                <a:solidFill>
+                  <a:srgbClr val="000000"/>
+                </a:solidFill>
+              </a:defRPr>
+            </a:pPr>
+          </a:p>
+          <a:p>
+            <a:pPr>
+              <a:spcBef>
+                <a:spcPts val="800"/>
+              </a:spcBef>
+              <a:spcAft>
+                <a:spcPts val="400"/>
+              </a:spcAft>
+              <a:defRPr sz="2000">
+                <a:solidFill>
+                  <a:srgbClr val="000000"/>
+                </a:solidFill>
+              </a:defRPr>
+            </a:pPr>
+            <a:r>
+              <a:t>Status: Experimental v1 - Temporary until Agno adds native support</a:t>
             </a:r>
           </a:p>
         </p:txBody>
@@ -9295,7 +9300,7 @@
               </a:defRPr>
             </a:pPr>
             <a:r>
-              <a:t>Using Platform Context</a:t>
+              <a:t>How It Works</a:t>
             </a:r>
           </a:p>
         </p:txBody>
@@ -9336,7 +9341,7 @@
               </a:defRPr>
             </a:pPr>
             <a:r>
-              <a:t>Add platform_context: dict parameter to your tool:</a:t>
+              <a:t>DCAF places a cache checkpoint between static and dynamic parts:</a:t>
             </a:r>
           </a:p>
         </p:txBody>
@@ -9350,7 +9355,7 @@
         <p:spPr>
           <a:xfrm>
             <a:off x="457200" y="2103120"/>
-            <a:ext cx="11277295" cy="3931920"/>
+            <a:ext cx="11277295" cy="2834639"/>
           </a:xfrm>
           <a:prstGeom prst="rect">
             <a:avLst/>
@@ -9393,7 +9398,7 @@
         <p:spPr>
           <a:xfrm>
             <a:off x="640080" y="2240279"/>
-            <a:ext cx="10972800" cy="3657600"/>
+            <a:ext cx="10972800" cy="2560320"/>
           </a:xfrm>
           <a:prstGeom prst="rect">
             <a:avLst/>
@@ -9415,52 +9420,36 @@
               </a:defRPr>
             </a:pPr>
             <a:r>
-              <a:t>@tool(description="List resources for current tenant")</a:t>
-            </a:r>
-            <a:br/>
-            <a:r>
-              <a:t>def list_tenant_resources(resource_type: str, platform_context: dict) -&gt; str:</a:t>
-            </a:r>
-            <a:br/>
-            <a:r>
-              <a:t>    tenant = platform_context.get("tenant_name")</a:t>
-            </a:r>
-            <a:br/>
-            <a:r>
-              <a:t>    namespace = platform_context.get("k8s_namespace")</a:t>
-            </a:r>
-            <a:br/>
-            <a:r>
-              <a:t>    token = platform_context.get("duplo_token")</a:t>
-            </a:r>
-            <a:br/>
-            <a:r>
-              <a:t>    </a:t>
-            </a:r>
-            <a:br/>
-            <a:r>
-              <a:t>    # Use context for tenant-scoped operations</a:t>
-            </a:r>
-            <a:br/>
-            <a:r>
-              <a:t>    return api_call(f"/tenants/{tenant}/resources/{resource_type}")</a:t>
-            </a:r>
-            <a:br/>
-            <a:br/>
-            <a:r>
-              <a:t># In custom agent functions, context is passed directly:</a:t>
-            </a:r>
-            <a:br/>
-            <a:r>
-              <a:t>def my_agent(messages: list, context: dict) -&gt; AgentResult:</a:t>
-            </a:r>
-            <a:br/>
-            <a:r>
-              <a:t>    tenant = context.get("tenant_name")</a:t>
-            </a:r>
-            <a:br/>
-            <a:r>
-              <a:t>    # ...</a:t>
+              <a:t>[Static Instructions]  ← CACHED (same for all requests)</a:t>
+            </a:r>
+            <a:br/>
+            <a:r>
+              <a:t>         ↓</a:t>
+            </a:r>
+            <a:br/>
+            <a:r>
+              <a:t>[Cache Checkpoint]</a:t>
+            </a:r>
+            <a:br/>
+            <a:r>
+              <a:t>         ↓</a:t>
+            </a:r>
+            <a:br/>
+            <a:r>
+              <a:t>[Dynamic Context]      ← NOT cached (fresh each time)</a:t>
+            </a:r>
+            <a:br/>
+            <a:br/>
+            <a:r>
+              <a:t>Example:</a:t>
+            </a:r>
+            <a:br/>
+            <a:r>
+              <a:t>• Static: "You are a K8s expert. [detailed guidelines]" ← CACHED</a:t>
+            </a:r>
+            <a:br/>
+            <a:r>
+              <a:t>• Dynamic: "Tenant: acme-corp, User: alice" ← FRESH</a:t>
             </a:r>
           </a:p>
         </p:txBody>
@@ -9491,8 +9480,8 @@
         </p:nvSpPr>
         <p:spPr>
           <a:xfrm>
-            <a:off x="457200" y="2743200"/>
-            <a:ext cx="11277295" cy="914400"/>
+            <a:off x="457200" y="365760"/>
+            <a:ext cx="11277295" cy="731520"/>
           </a:xfrm>
           <a:prstGeom prst="rect">
             <a:avLst/>
@@ -9505,27 +9494,208 @@
           </a:bodyPr>
           <a:lstStyle/>
           <a:p>
-            <a:pPr algn="ctr">
-              <a:defRPr sz="4400" b="1">
-                <a:solidFill>
-                  <a:srgbClr val="000000"/>
-                </a:solidFill>
-              </a:defRPr>
-            </a:pPr>
-            <a:r>
-              <a:t>Summary</a:t>
-            </a:r>
-          </a:p>
-          <a:p>
-            <a:pPr algn="ctr">
-              <a:defRPr sz="2400">
-                <a:solidFill>
-                  <a:srgbClr val="646464"/>
-                </a:solidFill>
-              </a:defRPr>
-            </a:pPr>
-            <a:r>
-              <a:t>Getting started with DCAF Core</a:t>
+            <a:pPr>
+              <a:defRPr sz="3600" b="1">
+                <a:solidFill>
+                  <a:srgbClr val="000000"/>
+                </a:solidFill>
+              </a:defRPr>
+            </a:pPr>
+            <a:r>
+              <a:t>Basic Usage</a:t>
+            </a:r>
+          </a:p>
+        </p:txBody>
+      </p:sp>
+      <p:sp>
+        <p:nvSpPr>
+          <p:cNvPr id="3" name="TextBox 2"/>
+          <p:cNvSpPr txBox="1"/>
+          <p:nvPr/>
+        </p:nvSpPr>
+        <p:spPr>
+          <a:xfrm>
+            <a:off x="457200" y="1280160"/>
+            <a:ext cx="11277295" cy="2743200"/>
+          </a:xfrm>
+          <a:prstGeom prst="rect">
+            <a:avLst/>
+          </a:prstGeom>
+          <a:noFill/>
+        </p:spPr>
+        <p:txBody>
+          <a:bodyPr wrap="square">
+            <a:spAutoFit/>
+          </a:bodyPr>
+          <a:lstStyle/>
+          <a:p>
+            <a:pPr>
+              <a:spcBef>
+                <a:spcPts val="800"/>
+              </a:spcBef>
+              <a:spcAft>
+                <a:spcPts val="400"/>
+              </a:spcAft>
+              <a:defRPr sz="2000">
+                <a:solidFill>
+                  <a:srgbClr val="000000"/>
+                </a:solidFill>
+              </a:defRPr>
+            </a:pPr>
+            <a:r>
+              <a:t>Enable caching with one parameter:</a:t>
+            </a:r>
+          </a:p>
+        </p:txBody>
+      </p:sp>
+      <p:sp>
+        <p:nvSpPr>
+          <p:cNvPr id="4" name="Rectangle 3"/>
+          <p:cNvSpPr/>
+          <p:nvPr/>
+        </p:nvSpPr>
+        <p:spPr>
+          <a:xfrm>
+            <a:off x="457200" y="2103120"/>
+            <a:ext cx="11277295" cy="5029200"/>
+          </a:xfrm>
+          <a:prstGeom prst="rect">
+            <a:avLst/>
+          </a:prstGeom>
+          <a:solidFill>
+            <a:srgbClr val="F5F5F5"/>
+          </a:solidFill>
+          <a:ln>
+            <a:noFill/>
+          </a:ln>
+        </p:spPr>
+        <p:style>
+          <a:lnRef idx="1">
+            <a:schemeClr val="accent1"/>
+          </a:lnRef>
+          <a:fillRef idx="3">
+            <a:schemeClr val="accent1"/>
+          </a:fillRef>
+          <a:effectRef idx="2">
+            <a:schemeClr val="accent1"/>
+          </a:effectRef>
+          <a:fontRef idx="minor">
+            <a:schemeClr val="lt1"/>
+          </a:fontRef>
+        </p:style>
+        <p:txBody>
+          <a:bodyPr rtlCol="0" anchor="ctr"/>
+          <a:lstStyle/>
+          <a:p>
+            <a:pPr algn="ctr"/>
+          </a:p>
+        </p:txBody>
+      </p:sp>
+      <p:sp>
+        <p:nvSpPr>
+          <p:cNvPr id="5" name="TextBox 4"/>
+          <p:cNvSpPr txBox="1"/>
+          <p:nvPr/>
+        </p:nvSpPr>
+        <p:spPr>
+          <a:xfrm>
+            <a:off x="640080" y="2240279"/>
+            <a:ext cx="10972800" cy="4754880"/>
+          </a:xfrm>
+          <a:prstGeom prst="rect">
+            <a:avLst/>
+          </a:prstGeom>
+          <a:noFill/>
+        </p:spPr>
+        <p:txBody>
+          <a:bodyPr wrap="none">
+            <a:spAutoFit/>
+          </a:bodyPr>
+          <a:lstStyle/>
+          <a:p>
+            <a:pPr>
+              <a:defRPr sz="1400">
+                <a:solidFill>
+                  <a:srgbClr val="000000"/>
+                </a:solidFill>
+                <a:latin typeface="Consolas"/>
+              </a:defRPr>
+            </a:pPr>
+            <a:r>
+              <a:t>from dcaf.core import Agent</a:t>
+            </a:r>
+            <a:br/>
+            <a:br/>
+            <a:r>
+              <a:t>agent = Agent(</a:t>
+            </a:r>
+            <a:br/>
+            <a:r>
+              <a:t>    system_prompt='''You are a Kubernetes expert.</a:t>
+            </a:r>
+            <a:br/>
+            <a:r>
+              <a:t>    </a:t>
+            </a:r>
+            <a:br/>
+            <a:r>
+              <a:t>    [Add detailed guidelines here - aim for 1024+ tokens]</a:t>
+            </a:r>
+            <a:br/>
+            <a:r>
+              <a:t>    </a:t>
+            </a:r>
+            <a:br/>
+            <a:r>
+              <a:t>    Guidelines:</a:t>
+            </a:r>
+            <a:br/>
+            <a:r>
+              <a:t>    - Always verify namespace before operations</a:t>
+            </a:r>
+            <a:br/>
+            <a:r>
+              <a:t>    - Explain what each command does</a:t>
+            </a:r>
+            <a:br/>
+            <a:r>
+              <a:t>    - Ask for confirmation on destructive operations</a:t>
+            </a:r>
+            <a:br/>
+            <a:r>
+              <a:t>    [... more detailed instructions ...]</a:t>
+            </a:r>
+            <a:br/>
+            <a:r>
+              <a:t>    ''',</a:t>
+            </a:r>
+            <a:br/>
+            <a:r>
+              <a:t>    </a:t>
+            </a:r>
+            <a:br/>
+            <a:r>
+              <a:t>    tools=[list_pods, delete_pod],</a:t>
+            </a:r>
+            <a:br/>
+            <a:r>
+              <a:t>    </a:t>
+            </a:r>
+            <a:br/>
+            <a:r>
+              <a:t>    model_config={</a:t>
+            </a:r>
+            <a:br/>
+            <a:r>
+              <a:t>        "cache_system_prompt": True  # Enable caching</a:t>
+            </a:r>
+            <a:br/>
+            <a:r>
+              <a:t>    }</a:t>
+            </a:r>
+            <a:br/>
+            <a:r>
+              <a:t>)</a:t>
             </a:r>
           </a:p>
         </p:txBody>
@@ -9539,6 +9709,1706 @@
 </file>
 
 <file path=ppt/slides/slide38.xml><?xml version="1.0" encoding="utf-8"?>
+<p:sld xmlns:a="http://schemas.openxmlformats.org/drawingml/2006/main" xmlns:p="http://schemas.openxmlformats.org/presentationml/2006/main" xmlns:r="http://schemas.openxmlformats.org/officeDocument/2006/relationships">
+  <p:cSld>
+    <p:spTree>
+      <p:nvGrpSpPr>
+        <p:cNvPr id="1" name=""/>
+        <p:cNvGrpSpPr/>
+        <p:nvPr/>
+      </p:nvGrpSpPr>
+      <p:grpSpPr/>
+      <p:sp>
+        <p:nvSpPr>
+          <p:cNvPr id="2" name="TextBox 1"/>
+          <p:cNvSpPr txBox="1"/>
+          <p:nvPr/>
+        </p:nvSpPr>
+        <p:spPr>
+          <a:xfrm>
+            <a:off x="457200" y="365760"/>
+            <a:ext cx="11277295" cy="731520"/>
+          </a:xfrm>
+          <a:prstGeom prst="rect">
+            <a:avLst/>
+          </a:prstGeom>
+          <a:noFill/>
+        </p:spPr>
+        <p:txBody>
+          <a:bodyPr wrap="none">
+            <a:spAutoFit/>
+          </a:bodyPr>
+          <a:lstStyle/>
+          <a:p>
+            <a:pPr>
+              <a:defRPr sz="3600" b="1">
+                <a:solidFill>
+                  <a:srgbClr val="000000"/>
+                </a:solidFill>
+              </a:defRPr>
+            </a:pPr>
+            <a:r>
+              <a:t>Static + Dynamic Pattern</a:t>
+            </a:r>
+          </a:p>
+        </p:txBody>
+      </p:sp>
+      <p:sp>
+        <p:nvSpPr>
+          <p:cNvPr id="3" name="TextBox 2"/>
+          <p:cNvSpPr txBox="1"/>
+          <p:nvPr/>
+        </p:nvSpPr>
+        <p:spPr>
+          <a:xfrm>
+            <a:off x="457200" y="1280160"/>
+            <a:ext cx="11277295" cy="2743200"/>
+          </a:xfrm>
+          <a:prstGeom prst="rect">
+            <a:avLst/>
+          </a:prstGeom>
+          <a:noFill/>
+        </p:spPr>
+        <p:txBody>
+          <a:bodyPr wrap="square">
+            <a:spAutoFit/>
+          </a:bodyPr>
+          <a:lstStyle/>
+          <a:p>
+            <a:pPr>
+              <a:spcBef>
+                <a:spcPts val="800"/>
+              </a:spcBef>
+              <a:spcAft>
+                <a:spcPts val="400"/>
+              </a:spcAft>
+              <a:defRPr sz="2000">
+                <a:solidFill>
+                  <a:srgbClr val="000000"/>
+                </a:solidFill>
+              </a:defRPr>
+            </a:pPr>
+            <a:r>
+              <a:t>The recommended pattern for maximum savings:</a:t>
+            </a:r>
+          </a:p>
+        </p:txBody>
+      </p:sp>
+      <p:sp>
+        <p:nvSpPr>
+          <p:cNvPr id="4" name="Rectangle 3"/>
+          <p:cNvSpPr/>
+          <p:nvPr/>
+        </p:nvSpPr>
+        <p:spPr>
+          <a:xfrm>
+            <a:off x="457200" y="2103120"/>
+            <a:ext cx="11277295" cy="5029200"/>
+          </a:xfrm>
+          <a:prstGeom prst="rect">
+            <a:avLst/>
+          </a:prstGeom>
+          <a:solidFill>
+            <a:srgbClr val="F5F5F5"/>
+          </a:solidFill>
+          <a:ln>
+            <a:noFill/>
+          </a:ln>
+        </p:spPr>
+        <p:style>
+          <a:lnRef idx="1">
+            <a:schemeClr val="accent1"/>
+          </a:lnRef>
+          <a:fillRef idx="3">
+            <a:schemeClr val="accent1"/>
+          </a:fillRef>
+          <a:effectRef idx="2">
+            <a:schemeClr val="accent1"/>
+          </a:effectRef>
+          <a:fontRef idx="minor">
+            <a:schemeClr val="lt1"/>
+          </a:fontRef>
+        </p:style>
+        <p:txBody>
+          <a:bodyPr rtlCol="0" anchor="ctr"/>
+          <a:lstStyle/>
+          <a:p>
+            <a:pPr algn="ctr"/>
+          </a:p>
+        </p:txBody>
+      </p:sp>
+      <p:sp>
+        <p:nvSpPr>
+          <p:cNvPr id="5" name="TextBox 4"/>
+          <p:cNvSpPr txBox="1"/>
+          <p:nvPr/>
+        </p:nvSpPr>
+        <p:spPr>
+          <a:xfrm>
+            <a:off x="640080" y="2240279"/>
+            <a:ext cx="10972800" cy="4754880"/>
+          </a:xfrm>
+          <a:prstGeom prst="rect">
+            <a:avLst/>
+          </a:prstGeom>
+          <a:noFill/>
+        </p:spPr>
+        <p:txBody>
+          <a:bodyPr wrap="none">
+            <a:spAutoFit/>
+          </a:bodyPr>
+          <a:lstStyle/>
+          <a:p>
+            <a:pPr>
+              <a:defRPr sz="1400">
+                <a:solidFill>
+                  <a:srgbClr val="000000"/>
+                </a:solidFill>
+                <a:latin typeface="Consolas"/>
+              </a:defRPr>
+            </a:pPr>
+            <a:r>
+              <a:t>agent = Agent(</a:t>
+            </a:r>
+            <a:br/>
+            <a:r>
+              <a:t>    # Static part - cached (same for all requests)</a:t>
+            </a:r>
+            <a:br/>
+            <a:r>
+              <a:t>    system_prompt='''You are a Kubernetes expert for a multi-tenant platform.</a:t>
+            </a:r>
+            <a:br/>
+            <a:r>
+              <a:t>    </a:t>
+            </a:r>
+            <a:br/>
+            <a:r>
+              <a:t>    [Detailed guidelines, examples, best practices...]</a:t>
+            </a:r>
+            <a:br/>
+            <a:r>
+              <a:t>    - Verify tenant context before operations</a:t>
+            </a:r>
+            <a:br/>
+            <a:r>
+              <a:t>    - Follow security best practices</a:t>
+            </a:r>
+            <a:br/>
+            <a:r>
+              <a:t>    - Provide clear explanations</a:t>
+            </a:r>
+            <a:br/>
+            <a:r>
+              <a:t>    ''',</a:t>
+            </a:r>
+            <a:br/>
+            <a:r>
+              <a:t>    </a:t>
+            </a:r>
+            <a:br/>
+            <a:r>
+              <a:t>    # Dynamic part - NOT cached (changes per request)</a:t>
+            </a:r>
+            <a:br/>
+            <a:r>
+              <a:t>    system_context=lambda ctx: f'''</a:t>
+            </a:r>
+            <a:br/>
+            <a:r>
+              <a:t>    === CURRENT CONTEXT ===</a:t>
+            </a:r>
+            <a:br/>
+            <a:r>
+              <a:t>    Tenant: {ctx.get('tenant_name')}</a:t>
+            </a:r>
+            <a:br/>
+            <a:r>
+              <a:t>    Namespace: {ctx.get('k8s_namespace')}</a:t>
+            </a:r>
+            <a:br/>
+            <a:r>
+              <a:t>    User: {ctx.get('user_email')}</a:t>
+            </a:r>
+            <a:br/>
+            <a:r>
+              <a:t>    ''',</a:t>
+            </a:r>
+            <a:br/>
+            <a:r>
+              <a:t>    </a:t>
+            </a:r>
+            <a:br/>
+            <a:r>
+              <a:t>    model_config={"cache_system_prompt": True}</a:t>
+            </a:r>
+            <a:br/>
+            <a:r>
+              <a:t>)</a:t>
+            </a:r>
+          </a:p>
+        </p:txBody>
+      </p:sp>
+    </p:spTree>
+  </p:cSld>
+  <p:clrMapOvr>
+    <a:masterClrMapping/>
+  </p:clrMapOvr>
+</p:sld>
+</file>
+
+<file path=ppt/slides/slide39.xml><?xml version="1.0" encoding="utf-8"?>
+<p:sld xmlns:a="http://schemas.openxmlformats.org/drawingml/2006/main" xmlns:p="http://schemas.openxmlformats.org/presentationml/2006/main" xmlns:r="http://schemas.openxmlformats.org/officeDocument/2006/relationships">
+  <p:cSld>
+    <p:spTree>
+      <p:nvGrpSpPr>
+        <p:cNvPr id="1" name=""/>
+        <p:cNvGrpSpPr/>
+        <p:nvPr/>
+      </p:nvGrpSpPr>
+      <p:grpSpPr/>
+      <p:sp>
+        <p:nvSpPr>
+          <p:cNvPr id="2" name="TextBox 1"/>
+          <p:cNvSpPr txBox="1"/>
+          <p:nvPr/>
+        </p:nvSpPr>
+        <p:spPr>
+          <a:xfrm>
+            <a:off x="457200" y="365760"/>
+            <a:ext cx="11277295" cy="731520"/>
+          </a:xfrm>
+          <a:prstGeom prst="rect">
+            <a:avLst/>
+          </a:prstGeom>
+          <a:noFill/>
+        </p:spPr>
+        <p:txBody>
+          <a:bodyPr wrap="none">
+            <a:spAutoFit/>
+          </a:bodyPr>
+          <a:lstStyle/>
+          <a:p>
+            <a:pPr>
+              <a:defRPr sz="3600" b="1">
+                <a:solidFill>
+                  <a:srgbClr val="000000"/>
+                </a:solidFill>
+              </a:defRPr>
+            </a:pPr>
+            <a:r>
+              <a:t>Requirements &amp; Best Practices</a:t>
+            </a:r>
+          </a:p>
+        </p:txBody>
+      </p:sp>
+      <p:sp>
+        <p:nvSpPr>
+          <p:cNvPr id="3" name="TextBox 2"/>
+          <p:cNvSpPr txBox="1"/>
+          <p:nvPr/>
+        </p:nvSpPr>
+        <p:spPr>
+          <a:xfrm>
+            <a:off x="457200" y="1280160"/>
+            <a:ext cx="11277295" cy="2743200"/>
+          </a:xfrm>
+          <a:prstGeom prst="rect">
+            <a:avLst/>
+          </a:prstGeom>
+          <a:noFill/>
+        </p:spPr>
+        <p:txBody>
+          <a:bodyPr wrap="square">
+            <a:spAutoFit/>
+          </a:bodyPr>
+          <a:lstStyle/>
+          <a:p>
+            <a:pPr>
+              <a:spcBef>
+                <a:spcPts val="800"/>
+              </a:spcBef>
+              <a:spcAft>
+                <a:spcPts val="400"/>
+              </a:spcAft>
+              <a:defRPr sz="2000">
+                <a:solidFill>
+                  <a:srgbClr val="000000"/>
+                </a:solidFill>
+              </a:defRPr>
+            </a:pPr>
+            <a:r>
+              <a:t>Minimum Token Count:</a:t>
+            </a:r>
+          </a:p>
+          <a:p>
+            <a:pPr>
+              <a:spcBef>
+                <a:spcPts val="800"/>
+              </a:spcBef>
+              <a:spcAft>
+                <a:spcPts val="400"/>
+              </a:spcAft>
+              <a:defRPr sz="2000">
+                <a:solidFill>
+                  <a:srgbClr val="000000"/>
+                </a:solidFill>
+              </a:defRPr>
+            </a:pPr>
+            <a:r>
+              <a:t>• Claude 3.7 Sonnet: 1024 tokens</a:t>
+            </a:r>
+          </a:p>
+          <a:p>
+            <a:pPr>
+              <a:spcBef>
+                <a:spcPts val="800"/>
+              </a:spcBef>
+              <a:spcAft>
+                <a:spcPts val="400"/>
+              </a:spcAft>
+              <a:defRPr sz="2000">
+                <a:solidFill>
+                  <a:srgbClr val="000000"/>
+                </a:solidFill>
+              </a:defRPr>
+            </a:pPr>
+            <a:r>
+              <a:t>• Claude 3.5 Haiku: 2048 tokens</a:t>
+            </a:r>
+          </a:p>
+          <a:p>
+            <a:pPr>
+              <a:spcBef>
+                <a:spcPts val="800"/>
+              </a:spcBef>
+              <a:spcAft>
+                <a:spcPts val="400"/>
+              </a:spcAft>
+              <a:defRPr sz="2000">
+                <a:solidFill>
+                  <a:srgbClr val="000000"/>
+                </a:solidFill>
+              </a:defRPr>
+            </a:pPr>
+            <a:r>
+              <a:t>• ~4 characters = 1 token (aim for 4000+ chars)</a:t>
+            </a:r>
+          </a:p>
+          <a:p>
+            <a:pPr>
+              <a:spcBef>
+                <a:spcPts val="800"/>
+              </a:spcBef>
+              <a:spcAft>
+                <a:spcPts val="400"/>
+              </a:spcAft>
+              <a:defRPr sz="2000">
+                <a:solidFill>
+                  <a:srgbClr val="000000"/>
+                </a:solidFill>
+              </a:defRPr>
+            </a:pPr>
+          </a:p>
+          <a:p>
+            <a:pPr>
+              <a:spcBef>
+                <a:spcPts val="800"/>
+              </a:spcBef>
+              <a:spcAft>
+                <a:spcPts val="400"/>
+              </a:spcAft>
+              <a:defRPr sz="2000">
+                <a:solidFill>
+                  <a:srgbClr val="000000"/>
+                </a:solidFill>
+              </a:defRPr>
+            </a:pPr>
+            <a:r>
+              <a:t>Best Practices:</a:t>
+            </a:r>
+          </a:p>
+          <a:p>
+            <a:pPr>
+              <a:spcBef>
+                <a:spcPts val="800"/>
+              </a:spcBef>
+              <a:spcAft>
+                <a:spcPts val="400"/>
+              </a:spcAft>
+              <a:defRPr sz="2000">
+                <a:solidFill>
+                  <a:srgbClr val="000000"/>
+                </a:solidFill>
+              </a:defRPr>
+            </a:pPr>
+            <a:r>
+              <a:t>1. Make static content detailed and comprehensive</a:t>
+            </a:r>
+          </a:p>
+          <a:p>
+            <a:pPr>
+              <a:spcBef>
+                <a:spcPts val="800"/>
+              </a:spcBef>
+              <a:spcAft>
+                <a:spcPts val="400"/>
+              </a:spcAft>
+              <a:defRPr sz="2000">
+                <a:solidFill>
+                  <a:srgbClr val="000000"/>
+                </a:solidFill>
+              </a:defRPr>
+            </a:pPr>
+            <a:r>
+              <a:t>2. Put all variable data in system_context</a:t>
+            </a:r>
+          </a:p>
+          <a:p>
+            <a:pPr>
+              <a:spcBef>
+                <a:spcPts val="800"/>
+              </a:spcBef>
+              <a:spcAft>
+                <a:spcPts val="400"/>
+              </a:spcAft>
+              <a:defRPr sz="2000">
+                <a:solidFill>
+                  <a:srgbClr val="000000"/>
+                </a:solidFill>
+              </a:defRPr>
+            </a:pPr>
+            <a:r>
+              <a:t>3. Monitor logs for cache HIT/MISS indicators</a:t>
+            </a:r>
+          </a:p>
+          <a:p>
+            <a:pPr>
+              <a:spcBef>
+                <a:spcPts val="800"/>
+              </a:spcBef>
+              <a:spcAft>
+                <a:spcPts val="400"/>
+              </a:spcAft>
+              <a:defRPr sz="2000">
+                <a:solidFill>
+                  <a:srgbClr val="000000"/>
+                </a:solidFill>
+              </a:defRPr>
+            </a:pPr>
+            <a:r>
+              <a:t>4. Ensure high request volume (&gt;1 per 5 minutes)</a:t>
+            </a:r>
+          </a:p>
+        </p:txBody>
+      </p:sp>
+    </p:spTree>
+  </p:cSld>
+  <p:clrMapOvr>
+    <a:masterClrMapping/>
+  </p:clrMapOvr>
+</p:sld>
+</file>
+
+<file path=ppt/slides/slide4.xml><?xml version="1.0" encoding="utf-8"?>
+<p:sld xmlns:a="http://schemas.openxmlformats.org/drawingml/2006/main" xmlns:p="http://schemas.openxmlformats.org/presentationml/2006/main" xmlns:r="http://schemas.openxmlformats.org/officeDocument/2006/relationships">
+  <p:cSld>
+    <p:spTree>
+      <p:nvGrpSpPr>
+        <p:cNvPr id="1" name=""/>
+        <p:cNvGrpSpPr/>
+        <p:nvPr/>
+      </p:nvGrpSpPr>
+      <p:grpSpPr/>
+      <p:sp>
+        <p:nvSpPr>
+          <p:cNvPr id="2" name="TextBox 1"/>
+          <p:cNvSpPr txBox="1"/>
+          <p:nvPr/>
+        </p:nvSpPr>
+        <p:spPr>
+          <a:xfrm>
+            <a:off x="457200" y="2743200"/>
+            <a:ext cx="11277295" cy="914400"/>
+          </a:xfrm>
+          <a:prstGeom prst="rect">
+            <a:avLst/>
+          </a:prstGeom>
+          <a:noFill/>
+        </p:spPr>
+        <p:txBody>
+          <a:bodyPr wrap="none">
+            <a:spAutoFit/>
+          </a:bodyPr>
+          <a:lstStyle/>
+          <a:p>
+            <a:pPr algn="ctr">
+              <a:defRPr sz="4400" b="1">
+                <a:solidFill>
+                  <a:srgbClr val="000000"/>
+                </a:solidFill>
+              </a:defRPr>
+            </a:pPr>
+            <a:r>
+              <a:t>The Agent</a:t>
+            </a:r>
+          </a:p>
+          <a:p>
+            <a:pPr algn="ctr">
+              <a:defRPr sz="2400">
+                <a:solidFill>
+                  <a:srgbClr val="646464"/>
+                </a:solidFill>
+              </a:defRPr>
+            </a:pPr>
+            <a:r>
+              <a:t>Your LLM-powered assistant</a:t>
+            </a:r>
+          </a:p>
+        </p:txBody>
+      </p:sp>
+    </p:spTree>
+  </p:cSld>
+  <p:clrMapOvr>
+    <a:masterClrMapping/>
+  </p:clrMapOvr>
+</p:sld>
+</file>
+
+<file path=ppt/slides/slide40.xml><?xml version="1.0" encoding="utf-8"?>
+<p:sld xmlns:a="http://schemas.openxmlformats.org/drawingml/2006/main" xmlns:p="http://schemas.openxmlformats.org/presentationml/2006/main" xmlns:r="http://schemas.openxmlformats.org/officeDocument/2006/relationships">
+  <p:cSld>
+    <p:spTree>
+      <p:nvGrpSpPr>
+        <p:cNvPr id="1" name=""/>
+        <p:cNvGrpSpPr/>
+        <p:nvPr/>
+      </p:nvGrpSpPr>
+      <p:grpSpPr/>
+      <p:sp>
+        <p:nvSpPr>
+          <p:cNvPr id="2" name="TextBox 1"/>
+          <p:cNvSpPr txBox="1"/>
+          <p:nvPr/>
+        </p:nvSpPr>
+        <p:spPr>
+          <a:xfrm>
+            <a:off x="457200" y="365760"/>
+            <a:ext cx="11277295" cy="731520"/>
+          </a:xfrm>
+          <a:prstGeom prst="rect">
+            <a:avLst/>
+          </a:prstGeom>
+          <a:noFill/>
+        </p:spPr>
+        <p:txBody>
+          <a:bodyPr wrap="none">
+            <a:spAutoFit/>
+          </a:bodyPr>
+          <a:lstStyle/>
+          <a:p>
+            <a:pPr>
+              <a:defRPr sz="3600" b="1">
+                <a:solidFill>
+                  <a:srgbClr val="000000"/>
+                </a:solidFill>
+              </a:defRPr>
+            </a:pPr>
+            <a:r>
+              <a:t>Cost Savings Example</a:t>
+            </a:r>
+          </a:p>
+        </p:txBody>
+      </p:sp>
+      <p:sp>
+        <p:nvSpPr>
+          <p:cNvPr id="3" name="TextBox 2"/>
+          <p:cNvSpPr txBox="1"/>
+          <p:nvPr/>
+        </p:nvSpPr>
+        <p:spPr>
+          <a:xfrm>
+            <a:off x="457200" y="1280160"/>
+            <a:ext cx="11277295" cy="2743200"/>
+          </a:xfrm>
+          <a:prstGeom prst="rect">
+            <a:avLst/>
+          </a:prstGeom>
+          <a:noFill/>
+        </p:spPr>
+        <p:txBody>
+          <a:bodyPr wrap="square">
+            <a:spAutoFit/>
+          </a:bodyPr>
+          <a:lstStyle/>
+          <a:p>
+            <a:pPr>
+              <a:spcBef>
+                <a:spcPts val="800"/>
+              </a:spcBef>
+              <a:spcAft>
+                <a:spcPts val="400"/>
+              </a:spcAft>
+              <a:defRPr sz="2000">
+                <a:solidFill>
+                  <a:srgbClr val="000000"/>
+                </a:solidFill>
+              </a:defRPr>
+            </a:pPr>
+            <a:r>
+              <a:t>Scenario: 100 requests with 1500-token static prompt + 100-token dynamic</a:t>
+            </a:r>
+          </a:p>
+          <a:p>
+            <a:pPr>
+              <a:spcBef>
+                <a:spcPts val="800"/>
+              </a:spcBef>
+              <a:spcAft>
+                <a:spcPts val="400"/>
+              </a:spcAft>
+              <a:defRPr sz="2000">
+                <a:solidFill>
+                  <a:srgbClr val="000000"/>
+                </a:solidFill>
+              </a:defRPr>
+            </a:pPr>
+          </a:p>
+          <a:p>
+            <a:pPr>
+              <a:spcBef>
+                <a:spcPts val="800"/>
+              </a:spcBef>
+              <a:spcAft>
+                <a:spcPts val="400"/>
+              </a:spcAft>
+              <a:defRPr sz="2000">
+                <a:solidFill>
+                  <a:srgbClr val="000000"/>
+                </a:solidFill>
+              </a:defRPr>
+            </a:pPr>
+            <a:r>
+              <a:t>Without caching:</a:t>
+            </a:r>
+          </a:p>
+          <a:p>
+            <a:pPr>
+              <a:spcBef>
+                <a:spcPts val="800"/>
+              </a:spcBef>
+              <a:spcAft>
+                <a:spcPts val="400"/>
+              </a:spcAft>
+              <a:defRPr sz="2000">
+                <a:solidFill>
+                  <a:srgbClr val="000000"/>
+                </a:solidFill>
+              </a:defRPr>
+            </a:pPr>
+            <a:r>
+              <a:t>• 100 × 1600 tokens = 160,000 tokens</a:t>
+            </a:r>
+          </a:p>
+          <a:p>
+            <a:pPr>
+              <a:spcBef>
+                <a:spcPts val="800"/>
+              </a:spcBef>
+              <a:spcAft>
+                <a:spcPts val="400"/>
+              </a:spcAft>
+              <a:defRPr sz="2000">
+                <a:solidFill>
+                  <a:srgbClr val="000000"/>
+                </a:solidFill>
+              </a:defRPr>
+            </a:pPr>
+            <a:r>
+              <a:t>• Cost: ~$0.48</a:t>
+            </a:r>
+          </a:p>
+          <a:p>
+            <a:pPr>
+              <a:spcBef>
+                <a:spcPts val="800"/>
+              </a:spcBef>
+              <a:spcAft>
+                <a:spcPts val="400"/>
+              </a:spcAft>
+              <a:defRPr sz="2000">
+                <a:solidFill>
+                  <a:srgbClr val="000000"/>
+                </a:solidFill>
+              </a:defRPr>
+            </a:pPr>
+          </a:p>
+          <a:p>
+            <a:pPr>
+              <a:spcBef>
+                <a:spcPts val="800"/>
+              </a:spcBef>
+              <a:spcAft>
+                <a:spcPts val="400"/>
+              </a:spcAft>
+              <a:defRPr sz="2000">
+                <a:solidFill>
+                  <a:srgbClr val="000000"/>
+                </a:solidFill>
+              </a:defRPr>
+            </a:pPr>
+            <a:r>
+              <a:t>With caching:</a:t>
+            </a:r>
+          </a:p>
+          <a:p>
+            <a:pPr>
+              <a:spcBef>
+                <a:spcPts val="800"/>
+              </a:spcBef>
+              <a:spcAft>
+                <a:spcPts val="400"/>
+              </a:spcAft>
+              <a:defRPr sz="2000">
+                <a:solidFill>
+                  <a:srgbClr val="000000"/>
+                </a:solidFill>
+              </a:defRPr>
+            </a:pPr>
+            <a:r>
+              <a:t>• First request: 1600 tokens (MISS)</a:t>
+            </a:r>
+          </a:p>
+          <a:p>
+            <a:pPr>
+              <a:spcBef>
+                <a:spcPts val="800"/>
+              </a:spcBef>
+              <a:spcAft>
+                <a:spcPts val="400"/>
+              </a:spcAft>
+              <a:defRPr sz="2000">
+                <a:solidFill>
+                  <a:srgbClr val="000000"/>
+                </a:solidFill>
+              </a:defRPr>
+            </a:pPr>
+            <a:r>
+              <a:t>• Next 99 requests: 100 tokens each (HIT)</a:t>
+            </a:r>
+          </a:p>
+          <a:p>
+            <a:pPr>
+              <a:spcBef>
+                <a:spcPts val="800"/>
+              </a:spcBef>
+              <a:spcAft>
+                <a:spcPts val="400"/>
+              </a:spcAft>
+              <a:defRPr sz="2000">
+                <a:solidFill>
+                  <a:srgbClr val="000000"/>
+                </a:solidFill>
+              </a:defRPr>
+            </a:pPr>
+            <a:r>
+              <a:t>• Total: 11,500 tokens</a:t>
+            </a:r>
+          </a:p>
+          <a:p>
+            <a:pPr>
+              <a:spcBef>
+                <a:spcPts val="800"/>
+              </a:spcBef>
+              <a:spcAft>
+                <a:spcPts val="400"/>
+              </a:spcAft>
+              <a:defRPr sz="2000">
+                <a:solidFill>
+                  <a:srgbClr val="000000"/>
+                </a:solidFill>
+              </a:defRPr>
+            </a:pPr>
+            <a:r>
+              <a:t>• Cost: ~$0.035</a:t>
+            </a:r>
+          </a:p>
+          <a:p>
+            <a:pPr>
+              <a:spcBef>
+                <a:spcPts val="800"/>
+              </a:spcBef>
+              <a:spcAft>
+                <a:spcPts val="400"/>
+              </a:spcAft>
+              <a:defRPr sz="2000">
+                <a:solidFill>
+                  <a:srgbClr val="000000"/>
+                </a:solidFill>
+              </a:defRPr>
+            </a:pPr>
+          </a:p>
+          <a:p>
+            <a:pPr>
+              <a:spcBef>
+                <a:spcPts val="800"/>
+              </a:spcBef>
+              <a:spcAft>
+                <a:spcPts val="400"/>
+              </a:spcAft>
+              <a:defRPr sz="2000">
+                <a:solidFill>
+                  <a:srgbClr val="000000"/>
+                </a:solidFill>
+              </a:defRPr>
+            </a:pPr>
+            <a:r>
+              <a:t>Savings: ~93% 💰</a:t>
+            </a:r>
+          </a:p>
+        </p:txBody>
+      </p:sp>
+    </p:spTree>
+  </p:cSld>
+  <p:clrMapOvr>
+    <a:masterClrMapping/>
+  </p:clrMapOvr>
+</p:sld>
+</file>
+
+<file path=ppt/slides/slide41.xml><?xml version="1.0" encoding="utf-8"?>
+<p:sld xmlns:a="http://schemas.openxmlformats.org/drawingml/2006/main" xmlns:p="http://schemas.openxmlformats.org/presentationml/2006/main" xmlns:r="http://schemas.openxmlformats.org/officeDocument/2006/relationships">
+  <p:cSld>
+    <p:spTree>
+      <p:nvGrpSpPr>
+        <p:cNvPr id="1" name=""/>
+        <p:cNvGrpSpPr/>
+        <p:nvPr/>
+      </p:nvGrpSpPr>
+      <p:grpSpPr/>
+      <p:sp>
+        <p:nvSpPr>
+          <p:cNvPr id="2" name="TextBox 1"/>
+          <p:cNvSpPr txBox="1"/>
+          <p:nvPr/>
+        </p:nvSpPr>
+        <p:spPr>
+          <a:xfrm>
+            <a:off x="457200" y="365760"/>
+            <a:ext cx="11277295" cy="731520"/>
+          </a:xfrm>
+          <a:prstGeom prst="rect">
+            <a:avLst/>
+          </a:prstGeom>
+          <a:noFill/>
+        </p:spPr>
+        <p:txBody>
+          <a:bodyPr wrap="none">
+            <a:spAutoFit/>
+          </a:bodyPr>
+          <a:lstStyle/>
+          <a:p>
+            <a:pPr>
+              <a:defRPr sz="3600" b="1">
+                <a:solidFill>
+                  <a:srgbClr val="000000"/>
+                </a:solidFill>
+              </a:defRPr>
+            </a:pPr>
+            <a:r>
+              <a:t>Monitoring Cache Performance</a:t>
+            </a:r>
+          </a:p>
+        </p:txBody>
+      </p:sp>
+      <p:sp>
+        <p:nvSpPr>
+          <p:cNvPr id="3" name="TextBox 2"/>
+          <p:cNvSpPr txBox="1"/>
+          <p:nvPr/>
+        </p:nvSpPr>
+        <p:spPr>
+          <a:xfrm>
+            <a:off x="457200" y="1280160"/>
+            <a:ext cx="11277295" cy="2743200"/>
+          </a:xfrm>
+          <a:prstGeom prst="rect">
+            <a:avLst/>
+          </a:prstGeom>
+          <a:noFill/>
+        </p:spPr>
+        <p:txBody>
+          <a:bodyPr wrap="square">
+            <a:spAutoFit/>
+          </a:bodyPr>
+          <a:lstStyle/>
+          <a:p>
+            <a:pPr>
+              <a:spcBef>
+                <a:spcPts val="800"/>
+              </a:spcBef>
+              <a:spcAft>
+                <a:spcPts val="400"/>
+              </a:spcAft>
+              <a:defRPr sz="2000">
+                <a:solidFill>
+                  <a:srgbClr val="000000"/>
+                </a:solidFill>
+              </a:defRPr>
+            </a:pPr>
+            <a:r>
+              <a:t>DCAF logs cache metrics automatically:</a:t>
+            </a:r>
+          </a:p>
+        </p:txBody>
+      </p:sp>
+      <p:sp>
+        <p:nvSpPr>
+          <p:cNvPr id="4" name="Rectangle 3"/>
+          <p:cNvSpPr/>
+          <p:nvPr/>
+        </p:nvSpPr>
+        <p:spPr>
+          <a:xfrm>
+            <a:off x="457200" y="2103120"/>
+            <a:ext cx="11277295" cy="4206240"/>
+          </a:xfrm>
+          <a:prstGeom prst="rect">
+            <a:avLst/>
+          </a:prstGeom>
+          <a:solidFill>
+            <a:srgbClr val="F5F5F5"/>
+          </a:solidFill>
+          <a:ln>
+            <a:noFill/>
+          </a:ln>
+        </p:spPr>
+        <p:style>
+          <a:lnRef idx="1">
+            <a:schemeClr val="accent1"/>
+          </a:lnRef>
+          <a:fillRef idx="3">
+            <a:schemeClr val="accent1"/>
+          </a:fillRef>
+          <a:effectRef idx="2">
+            <a:schemeClr val="accent1"/>
+          </a:effectRef>
+          <a:fontRef idx="minor">
+            <a:schemeClr val="lt1"/>
+          </a:fontRef>
+        </p:style>
+        <p:txBody>
+          <a:bodyPr rtlCol="0" anchor="ctr"/>
+          <a:lstStyle/>
+          <a:p>
+            <a:pPr algn="ctr"/>
+          </a:p>
+        </p:txBody>
+      </p:sp>
+      <p:sp>
+        <p:nvSpPr>
+          <p:cNvPr id="5" name="TextBox 4"/>
+          <p:cNvSpPr txBox="1"/>
+          <p:nvPr/>
+        </p:nvSpPr>
+        <p:spPr>
+          <a:xfrm>
+            <a:off x="640080" y="2240279"/>
+            <a:ext cx="10972800" cy="3931920"/>
+          </a:xfrm>
+          <a:prstGeom prst="rect">
+            <a:avLst/>
+          </a:prstGeom>
+          <a:noFill/>
+        </p:spPr>
+        <p:txBody>
+          <a:bodyPr wrap="none">
+            <a:spAutoFit/>
+          </a:bodyPr>
+          <a:lstStyle/>
+          <a:p>
+            <a:pPr>
+              <a:defRPr sz="1400">
+                <a:solidFill>
+                  <a:srgbClr val="000000"/>
+                </a:solidFill>
+                <a:latin typeface="Consolas"/>
+              </a:defRPr>
+            </a:pPr>
+            <a:r>
+              <a:t># Console logs show cache status:</a:t>
+            </a:r>
+            <a:br/>
+            <a:br/>
+            <a:r>
+              <a:t>INFO: ✅ Cache HIT: 950 tokens reused (~90% cost reduction)</a:t>
+            </a:r>
+            <a:br/>
+            <a:r>
+              <a:t>INFO: 📝 Cache MISS: 950 tokens cached for next request</a:t>
+            </a:r>
+            <a:br/>
+            <a:br/>
+            <a:r>
+              <a:t># First request is always a MISS (creates cache)</a:t>
+            </a:r>
+            <a:br/>
+            <a:r>
+              <a:t>Request 1: MISS (creates cache)  → Full cost</a:t>
+            </a:r>
+            <a:br/>
+            <a:r>
+              <a:t>Request 2: HIT  (uses cache)     → 10% cost</a:t>
+            </a:r>
+            <a:br/>
+            <a:r>
+              <a:t>Request 3: HIT  (uses cache)     → 10% cost</a:t>
+            </a:r>
+            <a:br/>
+            <a:r>
+              <a:t>...</a:t>
+            </a:r>
+            <a:br/>
+            <a:r>
+              <a:t>Request N: MISS (cache expired after 5 min) → Full cost</a:t>
+            </a:r>
+            <a:br/>
+            <a:br/>
+            <a:r>
+              <a:t># Warnings if misconfigured:</a:t>
+            </a:r>
+            <a:br/>
+            <a:r>
+              <a:t>WARNING: System prompt (~500 tokens) below minimum threshold</a:t>
+            </a:r>
+          </a:p>
+        </p:txBody>
+      </p:sp>
+    </p:spTree>
+  </p:cSld>
+  <p:clrMapOvr>
+    <a:masterClrMapping/>
+  </p:clrMapOvr>
+</p:sld>
+</file>
+
+<file path=ppt/slides/slide42.xml><?xml version="1.0" encoding="utf-8"?>
+<p:sld xmlns:a="http://schemas.openxmlformats.org/drawingml/2006/main" xmlns:p="http://schemas.openxmlformats.org/presentationml/2006/main" xmlns:r="http://schemas.openxmlformats.org/officeDocument/2006/relationships">
+  <p:cSld>
+    <p:spTree>
+      <p:nvGrpSpPr>
+        <p:cNvPr id="1" name=""/>
+        <p:cNvGrpSpPr/>
+        <p:nvPr/>
+      </p:nvGrpSpPr>
+      <p:grpSpPr/>
+      <p:sp>
+        <p:nvSpPr>
+          <p:cNvPr id="2" name="TextBox 1"/>
+          <p:cNvSpPr txBox="1"/>
+          <p:nvPr/>
+        </p:nvSpPr>
+        <p:spPr>
+          <a:xfrm>
+            <a:off x="457200" y="2743200"/>
+            <a:ext cx="11277295" cy="914400"/>
+          </a:xfrm>
+          <a:prstGeom prst="rect">
+            <a:avLst/>
+          </a:prstGeom>
+          <a:noFill/>
+        </p:spPr>
+        <p:txBody>
+          <a:bodyPr wrap="none">
+            <a:spAutoFit/>
+          </a:bodyPr>
+          <a:lstStyle/>
+          <a:p>
+            <a:pPr algn="ctr">
+              <a:defRPr sz="4400" b="1">
+                <a:solidFill>
+                  <a:srgbClr val="000000"/>
+                </a:solidFill>
+              </a:defRPr>
+            </a:pPr>
+            <a:r>
+              <a:t>Platform Context</a:t>
+            </a:r>
+          </a:p>
+          <a:p>
+            <a:pPr algn="ctr">
+              <a:defRPr sz="2400">
+                <a:solidFill>
+                  <a:srgbClr val="646464"/>
+                </a:solidFill>
+              </a:defRPr>
+            </a:pPr>
+            <a:r>
+              <a:t>Runtime environment data</a:t>
+            </a:r>
+          </a:p>
+        </p:txBody>
+      </p:sp>
+    </p:spTree>
+  </p:cSld>
+  <p:clrMapOvr>
+    <a:masterClrMapping/>
+  </p:clrMapOvr>
+</p:sld>
+</file>
+
+<file path=ppt/slides/slide43.xml><?xml version="1.0" encoding="utf-8"?>
+<p:sld xmlns:a="http://schemas.openxmlformats.org/drawingml/2006/main" xmlns:p="http://schemas.openxmlformats.org/presentationml/2006/main" xmlns:r="http://schemas.openxmlformats.org/officeDocument/2006/relationships">
+  <p:cSld>
+    <p:spTree>
+      <p:nvGrpSpPr>
+        <p:cNvPr id="1" name=""/>
+        <p:cNvGrpSpPr/>
+        <p:nvPr/>
+      </p:nvGrpSpPr>
+      <p:grpSpPr/>
+      <p:sp>
+        <p:nvSpPr>
+          <p:cNvPr id="2" name="TextBox 1"/>
+          <p:cNvSpPr txBox="1"/>
+          <p:nvPr/>
+        </p:nvSpPr>
+        <p:spPr>
+          <a:xfrm>
+            <a:off x="457200" y="365760"/>
+            <a:ext cx="11277295" cy="731520"/>
+          </a:xfrm>
+          <a:prstGeom prst="rect">
+            <a:avLst/>
+          </a:prstGeom>
+          <a:noFill/>
+        </p:spPr>
+        <p:txBody>
+          <a:bodyPr wrap="none">
+            <a:spAutoFit/>
+          </a:bodyPr>
+          <a:lstStyle/>
+          <a:p>
+            <a:pPr>
+              <a:defRPr sz="3600" b="1">
+                <a:solidFill>
+                  <a:srgbClr val="000000"/>
+                </a:solidFill>
+              </a:defRPr>
+            </a:pPr>
+            <a:r>
+              <a:t>Platform Context</a:t>
+            </a:r>
+          </a:p>
+        </p:txBody>
+      </p:sp>
+      <p:sp>
+        <p:nvSpPr>
+          <p:cNvPr id="3" name="TextBox 2"/>
+          <p:cNvSpPr txBox="1"/>
+          <p:nvPr/>
+        </p:nvSpPr>
+        <p:spPr>
+          <a:xfrm>
+            <a:off x="457200" y="1280160"/>
+            <a:ext cx="11277295" cy="2743200"/>
+          </a:xfrm>
+          <a:prstGeom prst="rect">
+            <a:avLst/>
+          </a:prstGeom>
+          <a:noFill/>
+        </p:spPr>
+        <p:txBody>
+          <a:bodyPr wrap="square">
+            <a:spAutoFit/>
+          </a:bodyPr>
+          <a:lstStyle/>
+          <a:p>
+            <a:pPr>
+              <a:spcBef>
+                <a:spcPts val="800"/>
+              </a:spcBef>
+              <a:spcAft>
+                <a:spcPts val="400"/>
+              </a:spcAft>
+              <a:defRPr sz="2000">
+                <a:solidFill>
+                  <a:srgbClr val="000000"/>
+                </a:solidFill>
+              </a:defRPr>
+            </a:pPr>
+            <a:r>
+              <a:t>Automatic context extraction from requests:</a:t>
+            </a:r>
+          </a:p>
+          <a:p>
+            <a:pPr>
+              <a:spcBef>
+                <a:spcPts val="800"/>
+              </a:spcBef>
+              <a:spcAft>
+                <a:spcPts val="400"/>
+              </a:spcAft>
+              <a:defRPr sz="2000">
+                <a:solidFill>
+                  <a:srgbClr val="000000"/>
+                </a:solidFill>
+              </a:defRPr>
+            </a:pPr>
+          </a:p>
+          <a:p>
+            <a:pPr>
+              <a:spcBef>
+                <a:spcPts val="800"/>
+              </a:spcBef>
+              <a:spcAft>
+                <a:spcPts val="400"/>
+              </a:spcAft>
+              <a:defRPr sz="2000">
+                <a:solidFill>
+                  <a:srgbClr val="000000"/>
+                </a:solidFill>
+              </a:defRPr>
+            </a:pPr>
+            <a:r>
+              <a:t>Available fields:</a:t>
+            </a:r>
+          </a:p>
+          <a:p>
+            <a:pPr>
+              <a:spcBef>
+                <a:spcPts val="800"/>
+              </a:spcBef>
+              <a:spcAft>
+                <a:spcPts val="400"/>
+              </a:spcAft>
+              <a:defRPr sz="2000">
+                <a:solidFill>
+                  <a:srgbClr val="000000"/>
+                </a:solidFill>
+              </a:defRPr>
+            </a:pPr>
+            <a:r>
+              <a:t>• tenant_name - DuploCloud tenant</a:t>
+            </a:r>
+          </a:p>
+          <a:p>
+            <a:pPr>
+              <a:spcBef>
+                <a:spcPts val="800"/>
+              </a:spcBef>
+              <a:spcAft>
+                <a:spcPts val="400"/>
+              </a:spcAft>
+              <a:defRPr sz="2000">
+                <a:solidFill>
+                  <a:srgbClr val="000000"/>
+                </a:solidFill>
+              </a:defRPr>
+            </a:pPr>
+            <a:r>
+              <a:t>• k8s_namespace - Kubernetes namespace</a:t>
+            </a:r>
+          </a:p>
+          <a:p>
+            <a:pPr>
+              <a:spcBef>
+                <a:spcPts val="800"/>
+              </a:spcBef>
+              <a:spcAft>
+                <a:spcPts val="400"/>
+              </a:spcAft>
+              <a:defRPr sz="2000">
+                <a:solidFill>
+                  <a:srgbClr val="000000"/>
+                </a:solidFill>
+              </a:defRPr>
+            </a:pPr>
+            <a:r>
+              <a:t>• user_id - Requesting user</a:t>
+            </a:r>
+          </a:p>
+          <a:p>
+            <a:pPr>
+              <a:spcBef>
+                <a:spcPts val="800"/>
+              </a:spcBef>
+              <a:spcAft>
+                <a:spcPts val="400"/>
+              </a:spcAft>
+              <a:defRPr sz="2000">
+                <a:solidFill>
+                  <a:srgbClr val="000000"/>
+                </a:solidFill>
+              </a:defRPr>
+            </a:pPr>
+            <a:r>
+              <a:t>• duplo_token - Authentication token</a:t>
+            </a:r>
+          </a:p>
+          <a:p>
+            <a:pPr>
+              <a:spcBef>
+                <a:spcPts val="800"/>
+              </a:spcBef>
+              <a:spcAft>
+                <a:spcPts val="400"/>
+              </a:spcAft>
+              <a:defRPr sz="2000">
+                <a:solidFill>
+                  <a:srgbClr val="000000"/>
+                </a:solidFill>
+              </a:defRPr>
+            </a:pPr>
+            <a:r>
+              <a:t>• kubeconfig - Base64-encoded kubeconfig</a:t>
+            </a:r>
+          </a:p>
+          <a:p>
+            <a:pPr>
+              <a:spcBef>
+                <a:spcPts val="800"/>
+              </a:spcBef>
+              <a:spcAft>
+                <a:spcPts val="400"/>
+              </a:spcAft>
+              <a:defRPr sz="2000">
+                <a:solidFill>
+                  <a:srgbClr val="000000"/>
+                </a:solidFill>
+              </a:defRPr>
+            </a:pPr>
+            <a:r>
+              <a:t>• aws_credentials - AWS credential info</a:t>
+            </a:r>
+          </a:p>
+          <a:p>
+            <a:pPr>
+              <a:spcBef>
+                <a:spcPts val="800"/>
+              </a:spcBef>
+              <a:spcAft>
+                <a:spcPts val="400"/>
+              </a:spcAft>
+              <a:defRPr sz="2000">
+                <a:solidFill>
+                  <a:srgbClr val="000000"/>
+                </a:solidFill>
+              </a:defRPr>
+            </a:pPr>
+          </a:p>
+          <a:p>
+            <a:pPr>
+              <a:spcBef>
+                <a:spcPts val="800"/>
+              </a:spcBef>
+              <a:spcAft>
+                <a:spcPts val="400"/>
+              </a:spcAft>
+              <a:defRPr sz="2000">
+                <a:solidFill>
+                  <a:srgbClr val="000000"/>
+                </a:solidFill>
+              </a:defRPr>
+            </a:pPr>
+            <a:r>
+              <a:t>Access in tools via platform_context parameter.</a:t>
+            </a:r>
+          </a:p>
+        </p:txBody>
+      </p:sp>
+    </p:spTree>
+  </p:cSld>
+  <p:clrMapOvr>
+    <a:masterClrMapping/>
+  </p:clrMapOvr>
+</p:sld>
+</file>
+
+<file path=ppt/slides/slide44.xml><?xml version="1.0" encoding="utf-8"?>
+<p:sld xmlns:a="http://schemas.openxmlformats.org/drawingml/2006/main" xmlns:p="http://schemas.openxmlformats.org/presentationml/2006/main" xmlns:r="http://schemas.openxmlformats.org/officeDocument/2006/relationships">
+  <p:cSld>
+    <p:spTree>
+      <p:nvGrpSpPr>
+        <p:cNvPr id="1" name=""/>
+        <p:cNvGrpSpPr/>
+        <p:nvPr/>
+      </p:nvGrpSpPr>
+      <p:grpSpPr/>
+      <p:sp>
+        <p:nvSpPr>
+          <p:cNvPr id="2" name="TextBox 1"/>
+          <p:cNvSpPr txBox="1"/>
+          <p:nvPr/>
+        </p:nvSpPr>
+        <p:spPr>
+          <a:xfrm>
+            <a:off x="457200" y="365760"/>
+            <a:ext cx="11277295" cy="731520"/>
+          </a:xfrm>
+          <a:prstGeom prst="rect">
+            <a:avLst/>
+          </a:prstGeom>
+          <a:noFill/>
+        </p:spPr>
+        <p:txBody>
+          <a:bodyPr wrap="none">
+            <a:spAutoFit/>
+          </a:bodyPr>
+          <a:lstStyle/>
+          <a:p>
+            <a:pPr>
+              <a:defRPr sz="3600" b="1">
+                <a:solidFill>
+                  <a:srgbClr val="000000"/>
+                </a:solidFill>
+              </a:defRPr>
+            </a:pPr>
+            <a:r>
+              <a:t>Using Platform Context</a:t>
+            </a:r>
+          </a:p>
+        </p:txBody>
+      </p:sp>
+      <p:sp>
+        <p:nvSpPr>
+          <p:cNvPr id="3" name="TextBox 2"/>
+          <p:cNvSpPr txBox="1"/>
+          <p:nvPr/>
+        </p:nvSpPr>
+        <p:spPr>
+          <a:xfrm>
+            <a:off x="457200" y="1280160"/>
+            <a:ext cx="11277295" cy="2743200"/>
+          </a:xfrm>
+          <a:prstGeom prst="rect">
+            <a:avLst/>
+          </a:prstGeom>
+          <a:noFill/>
+        </p:spPr>
+        <p:txBody>
+          <a:bodyPr wrap="square">
+            <a:spAutoFit/>
+          </a:bodyPr>
+          <a:lstStyle/>
+          <a:p>
+            <a:pPr>
+              <a:spcBef>
+                <a:spcPts val="800"/>
+              </a:spcBef>
+              <a:spcAft>
+                <a:spcPts val="400"/>
+              </a:spcAft>
+              <a:defRPr sz="2000">
+                <a:solidFill>
+                  <a:srgbClr val="000000"/>
+                </a:solidFill>
+              </a:defRPr>
+            </a:pPr>
+            <a:r>
+              <a:t>Add platform_context: dict parameter to your tool:</a:t>
+            </a:r>
+          </a:p>
+        </p:txBody>
+      </p:sp>
+      <p:sp>
+        <p:nvSpPr>
+          <p:cNvPr id="4" name="Rectangle 3"/>
+          <p:cNvSpPr/>
+          <p:nvPr/>
+        </p:nvSpPr>
+        <p:spPr>
+          <a:xfrm>
+            <a:off x="457200" y="2103120"/>
+            <a:ext cx="11277295" cy="3931920"/>
+          </a:xfrm>
+          <a:prstGeom prst="rect">
+            <a:avLst/>
+          </a:prstGeom>
+          <a:solidFill>
+            <a:srgbClr val="F5F5F5"/>
+          </a:solidFill>
+          <a:ln>
+            <a:noFill/>
+          </a:ln>
+        </p:spPr>
+        <p:style>
+          <a:lnRef idx="1">
+            <a:schemeClr val="accent1"/>
+          </a:lnRef>
+          <a:fillRef idx="3">
+            <a:schemeClr val="accent1"/>
+          </a:fillRef>
+          <a:effectRef idx="2">
+            <a:schemeClr val="accent1"/>
+          </a:effectRef>
+          <a:fontRef idx="minor">
+            <a:schemeClr val="lt1"/>
+          </a:fontRef>
+        </p:style>
+        <p:txBody>
+          <a:bodyPr rtlCol="0" anchor="ctr"/>
+          <a:lstStyle/>
+          <a:p>
+            <a:pPr algn="ctr"/>
+          </a:p>
+        </p:txBody>
+      </p:sp>
+      <p:sp>
+        <p:nvSpPr>
+          <p:cNvPr id="5" name="TextBox 4"/>
+          <p:cNvSpPr txBox="1"/>
+          <p:nvPr/>
+        </p:nvSpPr>
+        <p:spPr>
+          <a:xfrm>
+            <a:off x="640080" y="2240279"/>
+            <a:ext cx="10972800" cy="3657600"/>
+          </a:xfrm>
+          <a:prstGeom prst="rect">
+            <a:avLst/>
+          </a:prstGeom>
+          <a:noFill/>
+        </p:spPr>
+        <p:txBody>
+          <a:bodyPr wrap="none">
+            <a:spAutoFit/>
+          </a:bodyPr>
+          <a:lstStyle/>
+          <a:p>
+            <a:pPr>
+              <a:defRPr sz="1400">
+                <a:solidFill>
+                  <a:srgbClr val="000000"/>
+                </a:solidFill>
+                <a:latin typeface="Consolas"/>
+              </a:defRPr>
+            </a:pPr>
+            <a:r>
+              <a:t>@tool(description="List resources for current tenant")</a:t>
+            </a:r>
+            <a:br/>
+            <a:r>
+              <a:t>def list_tenant_resources(resource_type: str, platform_context: dict) -&gt; str:</a:t>
+            </a:r>
+            <a:br/>
+            <a:r>
+              <a:t>    tenant = platform_context.get("tenant_name")</a:t>
+            </a:r>
+            <a:br/>
+            <a:r>
+              <a:t>    namespace = platform_context.get("k8s_namespace")</a:t>
+            </a:r>
+            <a:br/>
+            <a:r>
+              <a:t>    token = platform_context.get("duplo_token")</a:t>
+            </a:r>
+            <a:br/>
+            <a:r>
+              <a:t>    </a:t>
+            </a:r>
+            <a:br/>
+            <a:r>
+              <a:t>    # Use context for tenant-scoped operations</a:t>
+            </a:r>
+            <a:br/>
+            <a:r>
+              <a:t>    return api_call(f"/tenants/{tenant}/resources/{resource_type}")</a:t>
+            </a:r>
+            <a:br/>
+            <a:br/>
+            <a:r>
+              <a:t># In custom agent functions, context is passed directly:</a:t>
+            </a:r>
+            <a:br/>
+            <a:r>
+              <a:t>def my_agent(messages: list, context: dict) -&gt; AgentResult:</a:t>
+            </a:r>
+            <a:br/>
+            <a:r>
+              <a:t>    tenant = context.get("tenant_name")</a:t>
+            </a:r>
+            <a:br/>
+            <a:r>
+              <a:t>    # ...</a:t>
+            </a:r>
+          </a:p>
+        </p:txBody>
+      </p:sp>
+    </p:spTree>
+  </p:cSld>
+  <p:clrMapOvr>
+    <a:masterClrMapping/>
+  </p:clrMapOvr>
+</p:sld>
+</file>
+
+<file path=ppt/slides/slide45.xml><?xml version="1.0" encoding="utf-8"?>
+<p:sld xmlns:a="http://schemas.openxmlformats.org/drawingml/2006/main" xmlns:p="http://schemas.openxmlformats.org/presentationml/2006/main" xmlns:r="http://schemas.openxmlformats.org/officeDocument/2006/relationships">
+  <p:cSld>
+    <p:spTree>
+      <p:nvGrpSpPr>
+        <p:cNvPr id="1" name=""/>
+        <p:cNvGrpSpPr/>
+        <p:nvPr/>
+      </p:nvGrpSpPr>
+      <p:grpSpPr/>
+      <p:sp>
+        <p:nvSpPr>
+          <p:cNvPr id="2" name="TextBox 1"/>
+          <p:cNvSpPr txBox="1"/>
+          <p:nvPr/>
+        </p:nvSpPr>
+        <p:spPr>
+          <a:xfrm>
+            <a:off x="457200" y="2743200"/>
+            <a:ext cx="11277295" cy="914400"/>
+          </a:xfrm>
+          <a:prstGeom prst="rect">
+            <a:avLst/>
+          </a:prstGeom>
+          <a:noFill/>
+        </p:spPr>
+        <p:txBody>
+          <a:bodyPr wrap="none">
+            <a:spAutoFit/>
+          </a:bodyPr>
+          <a:lstStyle/>
+          <a:p>
+            <a:pPr algn="ctr">
+              <a:defRPr sz="4400" b="1">
+                <a:solidFill>
+                  <a:srgbClr val="000000"/>
+                </a:solidFill>
+              </a:defRPr>
+            </a:pPr>
+            <a:r>
+              <a:t>Summary</a:t>
+            </a:r>
+          </a:p>
+          <a:p>
+            <a:pPr algn="ctr">
+              <a:defRPr sz="2400">
+                <a:solidFill>
+                  <a:srgbClr val="646464"/>
+                </a:solidFill>
+              </a:defRPr>
+            </a:pPr>
+            <a:r>
+              <a:t>Getting started with DCAF Core</a:t>
+            </a:r>
+          </a:p>
+        </p:txBody>
+      </p:sp>
+    </p:spTree>
+  </p:cSld>
+  <p:clrMapOvr>
+    <a:masterClrMapping/>
+  </p:clrMapOvr>
+</p:sld>
+</file>
+
+<file path=ppt/slides/slide46.xml><?xml version="1.0" encoding="utf-8"?>
 <p:sld xmlns:a="http://schemas.openxmlformats.org/drawingml/2006/main" xmlns:p="http://schemas.openxmlformats.org/presentationml/2006/main" xmlns:r="http://schemas.openxmlformats.org/officeDocument/2006/relationships">
   <p:cSld>
     <p:spTree>
@@ -9897,7 +11767,7 @@
 </p:sld>
 </file>
 
-<file path=ppt/slides/slide39.xml><?xml version="1.0" encoding="utf-8"?>
+<file path=ppt/slides/slide47.xml><?xml version="1.0" encoding="utf-8"?>
 <p:sld xmlns:a="http://schemas.openxmlformats.org/drawingml/2006/main" xmlns:p="http://schemas.openxmlformats.org/presentationml/2006/main" xmlns:r="http://schemas.openxmlformats.org/officeDocument/2006/relationships">
   <p:cSld>
     <p:spTree>
@@ -10165,7 +12035,7 @@
 </p:sld>
 </file>
 
-<file path=ppt/slides/slide4.xml><?xml version="1.0" encoding="utf-8"?>
+<file path=ppt/slides/slide48.xml><?xml version="1.0" encoding="utf-8"?>
 <p:sld xmlns:a="http://schemas.openxmlformats.org/drawingml/2006/main" xmlns:p="http://schemas.openxmlformats.org/presentationml/2006/main" xmlns:r="http://schemas.openxmlformats.org/officeDocument/2006/relationships">
   <p:cSld>
     <p:spTree>
@@ -10183,8 +12053,8 @@
         </p:nvSpPr>
         <p:spPr>
           <a:xfrm>
-            <a:off x="457200" y="2743200"/>
-            <a:ext cx="11277295" cy="914400"/>
+            <a:off x="457200" y="365760"/>
+            <a:ext cx="11277295" cy="731520"/>
           </a:xfrm>
           <a:prstGeom prst="rect">
             <a:avLst/>
@@ -10197,27 +12067,278 @@
           </a:bodyPr>
           <a:lstStyle/>
           <a:p>
-            <a:pPr algn="ctr">
-              <a:defRPr sz="4400" b="1">
-                <a:solidFill>
-                  <a:srgbClr val="000000"/>
-                </a:solidFill>
-              </a:defRPr>
-            </a:pPr>
-            <a:r>
-              <a:t>The Agent</a:t>
-            </a:r>
-          </a:p>
-          <a:p>
-            <a:pPr algn="ctr">
-              <a:defRPr sz="2400">
-                <a:solidFill>
-                  <a:srgbClr val="646464"/>
-                </a:solidFill>
-              </a:defRPr>
-            </a:pPr>
-            <a:r>
-              <a:t>Your LLM-powered assistant</a:t>
+            <a:pPr>
+              <a:defRPr sz="3600" b="1">
+                <a:solidFill>
+                  <a:srgbClr val="000000"/>
+                </a:solidFill>
+              </a:defRPr>
+            </a:pPr>
+            <a:r>
+              <a:t>Key Takeaways</a:t>
+            </a:r>
+          </a:p>
+        </p:txBody>
+      </p:sp>
+      <p:sp>
+        <p:nvSpPr>
+          <p:cNvPr id="3" name="TextBox 2"/>
+          <p:cNvSpPr txBox="1"/>
+          <p:nvPr/>
+        </p:nvSpPr>
+        <p:spPr>
+          <a:xfrm>
+            <a:off x="457200" y="1280160"/>
+            <a:ext cx="11277295" cy="2743200"/>
+          </a:xfrm>
+          <a:prstGeom prst="rect">
+            <a:avLst/>
+          </a:prstGeom>
+          <a:noFill/>
+        </p:spPr>
+        <p:txBody>
+          <a:bodyPr wrap="square">
+            <a:spAutoFit/>
+          </a:bodyPr>
+          <a:lstStyle/>
+          <a:p>
+            <a:pPr>
+              <a:spcBef>
+                <a:spcPts val="800"/>
+              </a:spcBef>
+              <a:spcAft>
+                <a:spcPts val="400"/>
+              </a:spcAft>
+              <a:defRPr sz="2000">
+                <a:solidFill>
+                  <a:srgbClr val="000000"/>
+                </a:solidFill>
+              </a:defRPr>
+            </a:pPr>
+            <a:r>
+              <a:t>1. Agent First</a:t>
+            </a:r>
+          </a:p>
+          <a:p>
+            <a:pPr>
+              <a:spcBef>
+                <a:spcPts val="800"/>
+              </a:spcBef>
+              <a:spcAft>
+                <a:spcPts val="400"/>
+              </a:spcAft>
+              <a:defRPr sz="2000">
+                <a:solidFill>
+                  <a:srgbClr val="000000"/>
+                </a:solidFill>
+              </a:defRPr>
+            </a:pPr>
+            <a:r>
+              <a:t>   The Agent is your LLM-powered orchestrator</a:t>
+            </a:r>
+          </a:p>
+          <a:p>
+            <a:pPr>
+              <a:spcBef>
+                <a:spcPts val="800"/>
+              </a:spcBef>
+              <a:spcAft>
+                <a:spcPts val="400"/>
+              </a:spcAft>
+              <a:defRPr sz="2000">
+                <a:solidFill>
+                  <a:srgbClr val="000000"/>
+                </a:solidFill>
+              </a:defRPr>
+            </a:pPr>
+          </a:p>
+          <a:p>
+            <a:pPr>
+              <a:spcBef>
+                <a:spcPts val="800"/>
+              </a:spcBef>
+              <a:spcAft>
+                <a:spcPts val="400"/>
+              </a:spcAft>
+              <a:defRPr sz="2000">
+                <a:solidFill>
+                  <a:srgbClr val="000000"/>
+                </a:solidFill>
+              </a:defRPr>
+            </a:pPr>
+            <a:r>
+              <a:t>2. Tools are Functions</a:t>
+            </a:r>
+          </a:p>
+          <a:p>
+            <a:pPr>
+              <a:spcBef>
+                <a:spcPts val="800"/>
+              </a:spcBef>
+              <a:spcAft>
+                <a:spcPts val="400"/>
+              </a:spcAft>
+              <a:defRPr sz="2000">
+                <a:solidFill>
+                  <a:srgbClr val="000000"/>
+                </a:solidFill>
+              </a:defRPr>
+            </a:pPr>
+            <a:r>
+              <a:t>   Define with @tool - auto, dict, or Pydantic schema</a:t>
+            </a:r>
+          </a:p>
+          <a:p>
+            <a:pPr>
+              <a:spcBef>
+                <a:spcPts val="800"/>
+              </a:spcBef>
+              <a:spcAft>
+                <a:spcPts val="400"/>
+              </a:spcAft>
+              <a:defRPr sz="2000">
+                <a:solidFill>
+                  <a:srgbClr val="000000"/>
+                </a:solidFill>
+              </a:defRPr>
+            </a:pPr>
+          </a:p>
+          <a:p>
+            <a:pPr>
+              <a:spcBef>
+                <a:spcPts val="800"/>
+              </a:spcBef>
+              <a:spcAft>
+                <a:spcPts val="400"/>
+              </a:spcAft>
+              <a:defRPr sz="2000">
+                <a:solidFill>
+                  <a:srgbClr val="000000"/>
+                </a:solidFill>
+              </a:defRPr>
+            </a:pPr>
+            <a:r>
+              <a:t>3. Human-in-the-Loop</a:t>
+            </a:r>
+          </a:p>
+          <a:p>
+            <a:pPr>
+              <a:spcBef>
+                <a:spcPts val="800"/>
+              </a:spcBef>
+              <a:spcAft>
+                <a:spcPts val="400"/>
+              </a:spcAft>
+              <a:defRPr sz="2000">
+                <a:solidFill>
+                  <a:srgbClr val="000000"/>
+                </a:solidFill>
+              </a:defRPr>
+            </a:pPr>
+            <a:r>
+              <a:t>   Built-in approval for dangerous operations</a:t>
+            </a:r>
+          </a:p>
+          <a:p>
+            <a:pPr>
+              <a:spcBef>
+                <a:spcPts val="800"/>
+              </a:spcBef>
+              <a:spcAft>
+                <a:spcPts val="400"/>
+              </a:spcAft>
+              <a:defRPr sz="2000">
+                <a:solidFill>
+                  <a:srgbClr val="000000"/>
+                </a:solidFill>
+              </a:defRPr>
+            </a:pPr>
+          </a:p>
+          <a:p>
+            <a:pPr>
+              <a:spcBef>
+                <a:spcPts val="800"/>
+              </a:spcBef>
+              <a:spcAft>
+                <a:spcPts val="400"/>
+              </a:spcAft>
+              <a:defRPr sz="2000">
+                <a:solidFill>
+                  <a:srgbClr val="000000"/>
+                </a:solidFill>
+              </a:defRPr>
+            </a:pPr>
+            <a:r>
+              <a:t>4. Session State</a:t>
+            </a:r>
+          </a:p>
+          <a:p>
+            <a:pPr>
+              <a:spcBef>
+                <a:spcPts val="800"/>
+              </a:spcBef>
+              <a:spcAft>
+                <a:spcPts val="400"/>
+              </a:spcAft>
+              <a:defRPr sz="2000">
+                <a:solidFill>
+                  <a:srgbClr val="000000"/>
+                </a:solidFill>
+              </a:defRPr>
+            </a:pPr>
+            <a:r>
+              <a:t>   Persist data across conversation turns</a:t>
+            </a:r>
+          </a:p>
+          <a:p>
+            <a:pPr>
+              <a:spcBef>
+                <a:spcPts val="800"/>
+              </a:spcBef>
+              <a:spcAft>
+                <a:spcPts val="400"/>
+              </a:spcAft>
+              <a:defRPr sz="2000">
+                <a:solidFill>
+                  <a:srgbClr val="000000"/>
+                </a:solidFill>
+              </a:defRPr>
+            </a:pPr>
+          </a:p>
+          <a:p>
+            <a:pPr>
+              <a:spcBef>
+                <a:spcPts val="800"/>
+              </a:spcBef>
+              <a:spcAft>
+                <a:spcPts val="400"/>
+              </a:spcAft>
+              <a:defRPr sz="2000">
+                <a:solidFill>
+                  <a:srgbClr val="000000"/>
+                </a:solidFill>
+              </a:defRPr>
+            </a:pPr>
+            <a:r>
+              <a:t>5. One-Line Server</a:t>
+            </a:r>
+          </a:p>
+          <a:p>
+            <a:pPr>
+              <a:spcBef>
+                <a:spcPts val="800"/>
+              </a:spcBef>
+              <a:spcAft>
+                <a:spcPts val="400"/>
+              </a:spcAft>
+              <a:defRPr sz="2000">
+                <a:solidFill>
+                  <a:srgbClr val="000000"/>
+                </a:solidFill>
+              </a:defRPr>
+            </a:pPr>
+            <a:r>
+              <a:t>   serve(agent) - production-ready REST API</a:t>
             </a:r>
           </a:p>
         </p:txBody>
@@ -10230,323 +12351,7 @@
 </p:sld>
 </file>
 
-<file path=ppt/slides/slide40.xml><?xml version="1.0" encoding="utf-8"?>
-<p:sld xmlns:a="http://schemas.openxmlformats.org/drawingml/2006/main" xmlns:p="http://schemas.openxmlformats.org/presentationml/2006/main" xmlns:r="http://schemas.openxmlformats.org/officeDocument/2006/relationships">
-  <p:cSld>
-    <p:spTree>
-      <p:nvGrpSpPr>
-        <p:cNvPr id="1" name=""/>
-        <p:cNvGrpSpPr/>
-        <p:nvPr/>
-      </p:nvGrpSpPr>
-      <p:grpSpPr/>
-      <p:sp>
-        <p:nvSpPr>
-          <p:cNvPr id="2" name="TextBox 1"/>
-          <p:cNvSpPr txBox="1"/>
-          <p:nvPr/>
-        </p:nvSpPr>
-        <p:spPr>
-          <a:xfrm>
-            <a:off x="457200" y="365760"/>
-            <a:ext cx="11277295" cy="731520"/>
-          </a:xfrm>
-          <a:prstGeom prst="rect">
-            <a:avLst/>
-          </a:prstGeom>
-          <a:noFill/>
-        </p:spPr>
-        <p:txBody>
-          <a:bodyPr wrap="none">
-            <a:spAutoFit/>
-          </a:bodyPr>
-          <a:lstStyle/>
-          <a:p>
-            <a:pPr>
-              <a:defRPr sz="3600" b="1">
-                <a:solidFill>
-                  <a:srgbClr val="000000"/>
-                </a:solidFill>
-              </a:defRPr>
-            </a:pPr>
-            <a:r>
-              <a:t>Key Takeaways</a:t>
-            </a:r>
-          </a:p>
-        </p:txBody>
-      </p:sp>
-      <p:sp>
-        <p:nvSpPr>
-          <p:cNvPr id="3" name="TextBox 2"/>
-          <p:cNvSpPr txBox="1"/>
-          <p:nvPr/>
-        </p:nvSpPr>
-        <p:spPr>
-          <a:xfrm>
-            <a:off x="457200" y="1280160"/>
-            <a:ext cx="11277295" cy="2743200"/>
-          </a:xfrm>
-          <a:prstGeom prst="rect">
-            <a:avLst/>
-          </a:prstGeom>
-          <a:noFill/>
-        </p:spPr>
-        <p:txBody>
-          <a:bodyPr wrap="square">
-            <a:spAutoFit/>
-          </a:bodyPr>
-          <a:lstStyle/>
-          <a:p>
-            <a:pPr>
-              <a:spcBef>
-                <a:spcPts val="800"/>
-              </a:spcBef>
-              <a:spcAft>
-                <a:spcPts val="400"/>
-              </a:spcAft>
-              <a:defRPr sz="2000">
-                <a:solidFill>
-                  <a:srgbClr val="000000"/>
-                </a:solidFill>
-              </a:defRPr>
-            </a:pPr>
-            <a:r>
-              <a:t>1. Agent First</a:t>
-            </a:r>
-          </a:p>
-          <a:p>
-            <a:pPr>
-              <a:spcBef>
-                <a:spcPts val="800"/>
-              </a:spcBef>
-              <a:spcAft>
-                <a:spcPts val="400"/>
-              </a:spcAft>
-              <a:defRPr sz="2000">
-                <a:solidFill>
-                  <a:srgbClr val="000000"/>
-                </a:solidFill>
-              </a:defRPr>
-            </a:pPr>
-            <a:r>
-              <a:t>   The Agent is your LLM-powered orchestrator</a:t>
-            </a:r>
-          </a:p>
-          <a:p>
-            <a:pPr>
-              <a:spcBef>
-                <a:spcPts val="800"/>
-              </a:spcBef>
-              <a:spcAft>
-                <a:spcPts val="400"/>
-              </a:spcAft>
-              <a:defRPr sz="2000">
-                <a:solidFill>
-                  <a:srgbClr val="000000"/>
-                </a:solidFill>
-              </a:defRPr>
-            </a:pPr>
-          </a:p>
-          <a:p>
-            <a:pPr>
-              <a:spcBef>
-                <a:spcPts val="800"/>
-              </a:spcBef>
-              <a:spcAft>
-                <a:spcPts val="400"/>
-              </a:spcAft>
-              <a:defRPr sz="2000">
-                <a:solidFill>
-                  <a:srgbClr val="000000"/>
-                </a:solidFill>
-              </a:defRPr>
-            </a:pPr>
-            <a:r>
-              <a:t>2. Tools are Functions</a:t>
-            </a:r>
-          </a:p>
-          <a:p>
-            <a:pPr>
-              <a:spcBef>
-                <a:spcPts val="800"/>
-              </a:spcBef>
-              <a:spcAft>
-                <a:spcPts val="400"/>
-              </a:spcAft>
-              <a:defRPr sz="2000">
-                <a:solidFill>
-                  <a:srgbClr val="000000"/>
-                </a:solidFill>
-              </a:defRPr>
-            </a:pPr>
-            <a:r>
-              <a:t>   Define with @tool - auto, dict, or Pydantic schema</a:t>
-            </a:r>
-          </a:p>
-          <a:p>
-            <a:pPr>
-              <a:spcBef>
-                <a:spcPts val="800"/>
-              </a:spcBef>
-              <a:spcAft>
-                <a:spcPts val="400"/>
-              </a:spcAft>
-              <a:defRPr sz="2000">
-                <a:solidFill>
-                  <a:srgbClr val="000000"/>
-                </a:solidFill>
-              </a:defRPr>
-            </a:pPr>
-          </a:p>
-          <a:p>
-            <a:pPr>
-              <a:spcBef>
-                <a:spcPts val="800"/>
-              </a:spcBef>
-              <a:spcAft>
-                <a:spcPts val="400"/>
-              </a:spcAft>
-              <a:defRPr sz="2000">
-                <a:solidFill>
-                  <a:srgbClr val="000000"/>
-                </a:solidFill>
-              </a:defRPr>
-            </a:pPr>
-            <a:r>
-              <a:t>3. Human-in-the-Loop</a:t>
-            </a:r>
-          </a:p>
-          <a:p>
-            <a:pPr>
-              <a:spcBef>
-                <a:spcPts val="800"/>
-              </a:spcBef>
-              <a:spcAft>
-                <a:spcPts val="400"/>
-              </a:spcAft>
-              <a:defRPr sz="2000">
-                <a:solidFill>
-                  <a:srgbClr val="000000"/>
-                </a:solidFill>
-              </a:defRPr>
-            </a:pPr>
-            <a:r>
-              <a:t>   Built-in approval for dangerous operations</a:t>
-            </a:r>
-          </a:p>
-          <a:p>
-            <a:pPr>
-              <a:spcBef>
-                <a:spcPts val="800"/>
-              </a:spcBef>
-              <a:spcAft>
-                <a:spcPts val="400"/>
-              </a:spcAft>
-              <a:defRPr sz="2000">
-                <a:solidFill>
-                  <a:srgbClr val="000000"/>
-                </a:solidFill>
-              </a:defRPr>
-            </a:pPr>
-          </a:p>
-          <a:p>
-            <a:pPr>
-              <a:spcBef>
-                <a:spcPts val="800"/>
-              </a:spcBef>
-              <a:spcAft>
-                <a:spcPts val="400"/>
-              </a:spcAft>
-              <a:defRPr sz="2000">
-                <a:solidFill>
-                  <a:srgbClr val="000000"/>
-                </a:solidFill>
-              </a:defRPr>
-            </a:pPr>
-            <a:r>
-              <a:t>4. Session State</a:t>
-            </a:r>
-          </a:p>
-          <a:p>
-            <a:pPr>
-              <a:spcBef>
-                <a:spcPts val="800"/>
-              </a:spcBef>
-              <a:spcAft>
-                <a:spcPts val="400"/>
-              </a:spcAft>
-              <a:defRPr sz="2000">
-                <a:solidFill>
-                  <a:srgbClr val="000000"/>
-                </a:solidFill>
-              </a:defRPr>
-            </a:pPr>
-            <a:r>
-              <a:t>   Persist data across conversation turns</a:t>
-            </a:r>
-          </a:p>
-          <a:p>
-            <a:pPr>
-              <a:spcBef>
-                <a:spcPts val="800"/>
-              </a:spcBef>
-              <a:spcAft>
-                <a:spcPts val="400"/>
-              </a:spcAft>
-              <a:defRPr sz="2000">
-                <a:solidFill>
-                  <a:srgbClr val="000000"/>
-                </a:solidFill>
-              </a:defRPr>
-            </a:pPr>
-          </a:p>
-          <a:p>
-            <a:pPr>
-              <a:spcBef>
-                <a:spcPts val="800"/>
-              </a:spcBef>
-              <a:spcAft>
-                <a:spcPts val="400"/>
-              </a:spcAft>
-              <a:defRPr sz="2000">
-                <a:solidFill>
-                  <a:srgbClr val="000000"/>
-                </a:solidFill>
-              </a:defRPr>
-            </a:pPr>
-            <a:r>
-              <a:t>5. One-Line Server</a:t>
-            </a:r>
-          </a:p>
-          <a:p>
-            <a:pPr>
-              <a:spcBef>
-                <a:spcPts val="800"/>
-              </a:spcBef>
-              <a:spcAft>
-                <a:spcPts val="400"/>
-              </a:spcAft>
-              <a:defRPr sz="2000">
-                <a:solidFill>
-                  <a:srgbClr val="000000"/>
-                </a:solidFill>
-              </a:defRPr>
-            </a:pPr>
-            <a:r>
-              <a:t>   serve(agent) - production-ready REST API</a:t>
-            </a:r>
-          </a:p>
-        </p:txBody>
-      </p:sp>
-    </p:spTree>
-  </p:cSld>
-  <p:clrMapOvr>
-    <a:masterClrMapping/>
-  </p:clrMapOvr>
-</p:sld>
-</file>
-
-<file path=ppt/slides/slide41.xml><?xml version="1.0" encoding="utf-8"?>
+<file path=ppt/slides/slide49.xml><?xml version="1.0" encoding="utf-8"?>
 <p:sld xmlns:a="http://schemas.openxmlformats.org/drawingml/2006/main" xmlns:p="http://schemas.openxmlformats.org/presentationml/2006/main" xmlns:r="http://schemas.openxmlformats.org/officeDocument/2006/relationships">
   <p:cSld>
     <p:spTree>
